--- a/Gun Run Presentation.pptx
+++ b/Gun Run Presentation.pptx
@@ -108,6 +108,11 @@
       </a:defRPr>
     </a:lvl9pPr>
   </p:defaultTextStyle>
+  <p:extLst>
+    <p:ext uri="{EFAFB233-063F-42B5-8137-9DF3F51BA10A}">
+      <p15:sldGuideLst xmlns:p15="http://schemas.microsoft.com/office/powerpoint/2012/main"/>
+    </p:ext>
+  </p:extLst>
 </p:presentation>
 </file>
 
@@ -124,22 +129,30 @@
   <pc:docChgLst>
     <pc:chgData name="Zorrilla, Cesar '24" userId="d7064e4d-c079-4c36-afb4-977bcecb02e6" providerId="ADAL" clId="{098C63C8-8B25-4C0A-B8B8-9962D11DED22}"/>
     <pc:docChg chg="addSld modSld">
-      <pc:chgData name="Zorrilla, Cesar '24" userId="d7064e4d-c079-4c36-afb4-977bcecb02e6" providerId="ADAL" clId="{098C63C8-8B25-4C0A-B8B8-9962D11DED22}" dt="2023-05-10T16:09:58.594" v="46"/>
+      <pc:chgData name="Zorrilla, Cesar '24" userId="d7064e4d-c079-4c36-afb4-977bcecb02e6" providerId="ADAL" clId="{098C63C8-8B25-4C0A-B8B8-9962D11DED22}" dt="2023-05-12T20:23:31.878" v="147" actId="20577"/>
       <pc:docMkLst>
         <pc:docMk/>
       </pc:docMkLst>
       <pc:sldChg chg="modSp mod">
-        <pc:chgData name="Zorrilla, Cesar '24" userId="d7064e4d-c079-4c36-afb4-977bcecb02e6" providerId="ADAL" clId="{098C63C8-8B25-4C0A-B8B8-9962D11DED22}" dt="2023-05-10T16:07:08.296" v="4" actId="20577"/>
+        <pc:chgData name="Zorrilla, Cesar '24" userId="d7064e4d-c079-4c36-afb4-977bcecb02e6" providerId="ADAL" clId="{098C63C8-8B25-4C0A-B8B8-9962D11DED22}" dt="2023-05-12T20:23:31.878" v="147" actId="20577"/>
         <pc:sldMkLst>
           <pc:docMk/>
           <pc:sldMk cId="1925557711" sldId="256"/>
         </pc:sldMkLst>
         <pc:spChg chg="mod">
-          <ac:chgData name="Zorrilla, Cesar '24" userId="d7064e4d-c079-4c36-afb4-977bcecb02e6" providerId="ADAL" clId="{098C63C8-8B25-4C0A-B8B8-9962D11DED22}" dt="2023-05-10T16:07:08.296" v="4" actId="20577"/>
+          <ac:chgData name="Zorrilla, Cesar '24" userId="d7064e4d-c079-4c36-afb4-977bcecb02e6" providerId="ADAL" clId="{098C63C8-8B25-4C0A-B8B8-9962D11DED22}" dt="2023-05-12T20:23:16.561" v="113" actId="20577"/>
           <ac:spMkLst>
             <pc:docMk/>
             <pc:sldMk cId="1925557711" sldId="256"/>
             <ac:spMk id="2" creationId="{429B54D9-3034-A49E-8E7A-AF2C00D14B60}"/>
+          </ac:spMkLst>
+        </pc:spChg>
+        <pc:spChg chg="mod">
+          <ac:chgData name="Zorrilla, Cesar '24" userId="d7064e4d-c079-4c36-afb4-977bcecb02e6" providerId="ADAL" clId="{098C63C8-8B25-4C0A-B8B8-9962D11DED22}" dt="2023-05-12T20:23:31.878" v="147" actId="20577"/>
+          <ac:spMkLst>
+            <pc:docMk/>
+            <pc:sldMk cId="1925557711" sldId="256"/>
+            <ac:spMk id="3" creationId="{B2430A27-61FD-B0D0-B061-1AC074DDEF61}"/>
           </ac:spMkLst>
         </pc:spChg>
       </pc:sldChg>
@@ -159,13 +172,13 @@
         </pc:spChg>
       </pc:sldChg>
       <pc:sldChg chg="modSp new mod">
-        <pc:chgData name="Zorrilla, Cesar '24" userId="d7064e4d-c079-4c36-afb4-977bcecb02e6" providerId="ADAL" clId="{098C63C8-8B25-4C0A-B8B8-9962D11DED22}" dt="2023-05-10T16:09:52.574" v="44" actId="20577"/>
+        <pc:chgData name="Zorrilla, Cesar '24" userId="d7064e4d-c079-4c36-afb4-977bcecb02e6" providerId="ADAL" clId="{098C63C8-8B25-4C0A-B8B8-9962D11DED22}" dt="2023-05-12T19:55:56.730" v="59" actId="20577"/>
         <pc:sldMkLst>
           <pc:docMk/>
           <pc:sldMk cId="513826829" sldId="258"/>
         </pc:sldMkLst>
         <pc:spChg chg="mod">
-          <ac:chgData name="Zorrilla, Cesar '24" userId="d7064e4d-c079-4c36-afb4-977bcecb02e6" providerId="ADAL" clId="{098C63C8-8B25-4C0A-B8B8-9962D11DED22}" dt="2023-05-10T16:09:52.574" v="44" actId="20577"/>
+          <ac:chgData name="Zorrilla, Cesar '24" userId="d7064e4d-c079-4c36-afb4-977bcecb02e6" providerId="ADAL" clId="{098C63C8-8B25-4C0A-B8B8-9962D11DED22}" dt="2023-05-12T19:55:56.730" v="59" actId="20577"/>
           <ac:spMkLst>
             <pc:docMk/>
             <pc:sldMk cId="513826829" sldId="258"/>
@@ -339,7 +352,7 @@
           <a:p>
             <a:fld id="{6C18980B-3844-4793-A027-B4AFC75AC102}" type="datetimeFigureOut">
               <a:rPr lang="en-US" smtClean="0"/>
-              <a:t>5/10/2023</a:t>
+              <a:t>5/12/2023</a:t>
             </a:fld>
             <a:endParaRPr lang="en-US"/>
           </a:p>
@@ -537,7 +550,7 @@
           <a:p>
             <a:fld id="{6C18980B-3844-4793-A027-B4AFC75AC102}" type="datetimeFigureOut">
               <a:rPr lang="en-US" smtClean="0"/>
-              <a:t>5/10/2023</a:t>
+              <a:t>5/12/2023</a:t>
             </a:fld>
             <a:endParaRPr lang="en-US"/>
           </a:p>
@@ -745,7 +758,7 @@
           <a:p>
             <a:fld id="{6C18980B-3844-4793-A027-B4AFC75AC102}" type="datetimeFigureOut">
               <a:rPr lang="en-US" smtClean="0"/>
-              <a:t>5/10/2023</a:t>
+              <a:t>5/12/2023</a:t>
             </a:fld>
             <a:endParaRPr lang="en-US"/>
           </a:p>
@@ -943,7 +956,7 @@
           <a:p>
             <a:fld id="{6C18980B-3844-4793-A027-B4AFC75AC102}" type="datetimeFigureOut">
               <a:rPr lang="en-US" smtClean="0"/>
-              <a:t>5/10/2023</a:t>
+              <a:t>5/12/2023</a:t>
             </a:fld>
             <a:endParaRPr lang="en-US"/>
           </a:p>
@@ -1218,7 +1231,7 @@
           <a:p>
             <a:fld id="{6C18980B-3844-4793-A027-B4AFC75AC102}" type="datetimeFigureOut">
               <a:rPr lang="en-US" smtClean="0"/>
-              <a:t>5/10/2023</a:t>
+              <a:t>5/12/2023</a:t>
             </a:fld>
             <a:endParaRPr lang="en-US"/>
           </a:p>
@@ -1483,7 +1496,7 @@
           <a:p>
             <a:fld id="{6C18980B-3844-4793-A027-B4AFC75AC102}" type="datetimeFigureOut">
               <a:rPr lang="en-US" smtClean="0"/>
-              <a:t>5/10/2023</a:t>
+              <a:t>5/12/2023</a:t>
             </a:fld>
             <a:endParaRPr lang="en-US"/>
           </a:p>
@@ -1895,7 +1908,7 @@
           <a:p>
             <a:fld id="{6C18980B-3844-4793-A027-B4AFC75AC102}" type="datetimeFigureOut">
               <a:rPr lang="en-US" smtClean="0"/>
-              <a:t>5/10/2023</a:t>
+              <a:t>5/12/2023</a:t>
             </a:fld>
             <a:endParaRPr lang="en-US"/>
           </a:p>
@@ -2036,7 +2049,7 @@
           <a:p>
             <a:fld id="{6C18980B-3844-4793-A027-B4AFC75AC102}" type="datetimeFigureOut">
               <a:rPr lang="en-US" smtClean="0"/>
-              <a:t>5/10/2023</a:t>
+              <a:t>5/12/2023</a:t>
             </a:fld>
             <a:endParaRPr lang="en-US"/>
           </a:p>
@@ -2149,7 +2162,7 @@
           <a:p>
             <a:fld id="{6C18980B-3844-4793-A027-B4AFC75AC102}" type="datetimeFigureOut">
               <a:rPr lang="en-US" smtClean="0"/>
-              <a:t>5/10/2023</a:t>
+              <a:t>5/12/2023</a:t>
             </a:fld>
             <a:endParaRPr lang="en-US"/>
           </a:p>
@@ -2460,7 +2473,7 @@
           <a:p>
             <a:fld id="{6C18980B-3844-4793-A027-B4AFC75AC102}" type="datetimeFigureOut">
               <a:rPr lang="en-US" smtClean="0"/>
-              <a:t>5/10/2023</a:t>
+              <a:t>5/12/2023</a:t>
             </a:fld>
             <a:endParaRPr lang="en-US"/>
           </a:p>
@@ -2748,7 +2761,7 @@
           <a:p>
             <a:fld id="{6C18980B-3844-4793-A027-B4AFC75AC102}" type="datetimeFigureOut">
               <a:rPr lang="en-US" smtClean="0"/>
-              <a:t>5/10/2023</a:t>
+              <a:t>5/12/2023</a:t>
             </a:fld>
             <a:endParaRPr lang="en-US"/>
           </a:p>
@@ -2989,7 +3002,7 @@
           <a:p>
             <a:fld id="{6C18980B-3844-4793-A027-B4AFC75AC102}" type="datetimeFigureOut">
               <a:rPr lang="en-US" smtClean="0"/>
-              <a:t>5/10/2023</a:t>
+              <a:t>5/12/2023</a:t>
             </a:fld>
             <a:endParaRPr lang="en-US"/>
           </a:p>
@@ -3429,7 +3442,7 @@
           <a:p>
             <a:r>
               <a:rPr lang="en-US" dirty="0"/>
-              <a:t>Title</a:t>
+              <a:t>Geometry Wars</a:t>
             </a:r>
           </a:p>
         </p:txBody>
@@ -3455,7 +3468,10 @@
           <a:bodyPr/>
           <a:lstStyle/>
           <a:p>
-            <a:endParaRPr lang="en-US"/>
+            <a:r>
+              <a:rPr lang="en-US" dirty="0"/>
+              <a:t>Game by Jaime Cesar Zorrilla</a:t>
+            </a:r>
           </a:p>
         </p:txBody>
       </p:sp>
@@ -3595,7 +3611,7 @@
           <a:p>
             <a:r>
               <a:rPr lang="en-US" dirty="0"/>
-              <a:t>Code</a:t>
+              <a:t>Process</a:t>
             </a:r>
           </a:p>
         </p:txBody>

--- a/Gun Run Presentation.pptx
+++ b/Gun Run Presentation.pptx
@@ -128,19 +128,19 @@
 <pc:chgInfo xmlns:a="http://schemas.openxmlformats.org/drawingml/2006/main" xmlns:r="http://schemas.openxmlformats.org/officeDocument/2006/relationships" xmlns:ac="http://schemas.microsoft.com/office/drawing/2013/main/command" xmlns:pc="http://schemas.microsoft.com/office/powerpoint/2013/main/command">
   <pc:docChgLst>
     <pc:chgData name="Zorrilla, Cesar '24" userId="d7064e4d-c079-4c36-afb4-977bcecb02e6" providerId="ADAL" clId="{098C63C8-8B25-4C0A-B8B8-9962D11DED22}"/>
-    <pc:docChg chg="addSld modSld">
-      <pc:chgData name="Zorrilla, Cesar '24" userId="d7064e4d-c079-4c36-afb4-977bcecb02e6" providerId="ADAL" clId="{098C63C8-8B25-4C0A-B8B8-9962D11DED22}" dt="2023-05-12T20:23:31.878" v="147" actId="20577"/>
+    <pc:docChg chg="undo custSel addSld modSld">
+      <pc:chgData name="Zorrilla, Cesar '24" userId="d7064e4d-c079-4c36-afb4-977bcecb02e6" providerId="ADAL" clId="{098C63C8-8B25-4C0A-B8B8-9962D11DED22}" dt="2023-05-16T17:59:41.719" v="412" actId="20577"/>
       <pc:docMkLst>
         <pc:docMk/>
       </pc:docMkLst>
-      <pc:sldChg chg="modSp mod">
-        <pc:chgData name="Zorrilla, Cesar '24" userId="d7064e4d-c079-4c36-afb4-977bcecb02e6" providerId="ADAL" clId="{098C63C8-8B25-4C0A-B8B8-9962D11DED22}" dt="2023-05-12T20:23:31.878" v="147" actId="20577"/>
+      <pc:sldChg chg="addSp delSp modSp mod setBg addAnim delAnim setClrOvrMap">
+        <pc:chgData name="Zorrilla, Cesar '24" userId="d7064e4d-c079-4c36-afb4-977bcecb02e6" providerId="ADAL" clId="{098C63C8-8B25-4C0A-B8B8-9962D11DED22}" dt="2023-05-16T14:43:16.849" v="157" actId="26606"/>
         <pc:sldMkLst>
           <pc:docMk/>
           <pc:sldMk cId="1925557711" sldId="256"/>
         </pc:sldMkLst>
         <pc:spChg chg="mod">
-          <ac:chgData name="Zorrilla, Cesar '24" userId="d7064e4d-c079-4c36-afb4-977bcecb02e6" providerId="ADAL" clId="{098C63C8-8B25-4C0A-B8B8-9962D11DED22}" dt="2023-05-12T20:23:16.561" v="113" actId="20577"/>
+          <ac:chgData name="Zorrilla, Cesar '24" userId="d7064e4d-c079-4c36-afb4-977bcecb02e6" providerId="ADAL" clId="{098C63C8-8B25-4C0A-B8B8-9962D11DED22}" dt="2023-05-16T14:43:16.849" v="157" actId="26606"/>
           <ac:spMkLst>
             <pc:docMk/>
             <pc:sldMk cId="1925557711" sldId="256"/>
@@ -148,28 +148,92 @@
           </ac:spMkLst>
         </pc:spChg>
         <pc:spChg chg="mod">
-          <ac:chgData name="Zorrilla, Cesar '24" userId="d7064e4d-c079-4c36-afb4-977bcecb02e6" providerId="ADAL" clId="{098C63C8-8B25-4C0A-B8B8-9962D11DED22}" dt="2023-05-12T20:23:31.878" v="147" actId="20577"/>
+          <ac:chgData name="Zorrilla, Cesar '24" userId="d7064e4d-c079-4c36-afb4-977bcecb02e6" providerId="ADAL" clId="{098C63C8-8B25-4C0A-B8B8-9962D11DED22}" dt="2023-05-16T14:43:16.849" v="157" actId="26606"/>
           <ac:spMkLst>
             <pc:docMk/>
             <pc:sldMk cId="1925557711" sldId="256"/>
             <ac:spMk id="3" creationId="{B2430A27-61FD-B0D0-B061-1AC074DDEF61}"/>
           </ac:spMkLst>
         </pc:spChg>
+        <pc:spChg chg="add del">
+          <ac:chgData name="Zorrilla, Cesar '24" userId="d7064e4d-c079-4c36-afb4-977bcecb02e6" providerId="ADAL" clId="{098C63C8-8B25-4C0A-B8B8-9962D11DED22}" dt="2023-05-16T14:43:10.214" v="152" actId="26606"/>
+          <ac:spMkLst>
+            <pc:docMk/>
+            <pc:sldMk cId="1925557711" sldId="256"/>
+            <ac:spMk id="10" creationId="{71B2258F-86CA-4D4D-8270-BC05FCDEBFB3}"/>
+          </ac:spMkLst>
+        </pc:spChg>
+        <pc:spChg chg="add del">
+          <ac:chgData name="Zorrilla, Cesar '24" userId="d7064e4d-c079-4c36-afb4-977bcecb02e6" providerId="ADAL" clId="{098C63C8-8B25-4C0A-B8B8-9962D11DED22}" dt="2023-05-16T14:43:16.834" v="156" actId="26606"/>
+          <ac:spMkLst>
+            <pc:docMk/>
+            <pc:sldMk cId="1925557711" sldId="256"/>
+            <ac:spMk id="12" creationId="{007891EC-4501-44ED-A8C8-B11B6DB767AB}"/>
+          </ac:spMkLst>
+        </pc:spChg>
+        <pc:spChg chg="add del">
+          <ac:chgData name="Zorrilla, Cesar '24" userId="d7064e4d-c079-4c36-afb4-977bcecb02e6" providerId="ADAL" clId="{098C63C8-8B25-4C0A-B8B8-9962D11DED22}" dt="2023-05-16T14:43:16.834" v="156" actId="26606"/>
+          <ac:spMkLst>
+            <pc:docMk/>
+            <pc:sldMk cId="1925557711" sldId="256"/>
+            <ac:spMk id="13" creationId="{C1DD1A8A-57D5-4A81-AD04-532B043C5611}"/>
+          </ac:spMkLst>
+        </pc:spChg>
+        <pc:spChg chg="add">
+          <ac:chgData name="Zorrilla, Cesar '24" userId="d7064e4d-c079-4c36-afb4-977bcecb02e6" providerId="ADAL" clId="{098C63C8-8B25-4C0A-B8B8-9962D11DED22}" dt="2023-05-16T14:43:16.849" v="157" actId="26606"/>
+          <ac:spMkLst>
+            <pc:docMk/>
+            <pc:sldMk cId="1925557711" sldId="256"/>
+            <ac:spMk id="15" creationId="{665DBBEF-238B-476B-96AB-8AAC3224ECEA}"/>
+          </ac:spMkLst>
+        </pc:spChg>
+        <pc:spChg chg="add">
+          <ac:chgData name="Zorrilla, Cesar '24" userId="d7064e4d-c079-4c36-afb4-977bcecb02e6" providerId="ADAL" clId="{098C63C8-8B25-4C0A-B8B8-9962D11DED22}" dt="2023-05-16T14:43:16.849" v="157" actId="26606"/>
+          <ac:spMkLst>
+            <pc:docMk/>
+            <pc:sldMk cId="1925557711" sldId="256"/>
+            <ac:spMk id="16" creationId="{3FCFB1DE-0B7E-48CC-BA90-B2AB0889F9D6}"/>
+          </ac:spMkLst>
+        </pc:spChg>
+        <pc:picChg chg="add mod ord">
+          <ac:chgData name="Zorrilla, Cesar '24" userId="d7064e4d-c079-4c36-afb4-977bcecb02e6" providerId="ADAL" clId="{098C63C8-8B25-4C0A-B8B8-9962D11DED22}" dt="2023-05-16T14:43:16.849" v="157" actId="26606"/>
+          <ac:picMkLst>
+            <pc:docMk/>
+            <pc:sldMk cId="1925557711" sldId="256"/>
+            <ac:picMk id="5" creationId="{978E9157-6CBF-0446-C84E-CD8DAD1E9D54}"/>
+          </ac:picMkLst>
+        </pc:picChg>
       </pc:sldChg>
-      <pc:sldChg chg="modSp new mod">
-        <pc:chgData name="Zorrilla, Cesar '24" userId="d7064e4d-c079-4c36-afb4-977bcecb02e6" providerId="ADAL" clId="{098C63C8-8B25-4C0A-B8B8-9962D11DED22}" dt="2023-05-10T16:07:31.256" v="39" actId="20577"/>
+      <pc:sldChg chg="addSp delSp modSp new mod">
+        <pc:chgData name="Zorrilla, Cesar '24" userId="d7064e4d-c079-4c36-afb4-977bcecb02e6" providerId="ADAL" clId="{098C63C8-8B25-4C0A-B8B8-9962D11DED22}" dt="2023-05-16T17:59:41.719" v="412" actId="20577"/>
         <pc:sldMkLst>
           <pc:docMk/>
           <pc:sldMk cId="3172025758" sldId="257"/>
         </pc:sldMkLst>
         <pc:spChg chg="mod">
-          <ac:chgData name="Zorrilla, Cesar '24" userId="d7064e4d-c079-4c36-afb4-977bcecb02e6" providerId="ADAL" clId="{098C63C8-8B25-4C0A-B8B8-9962D11DED22}" dt="2023-05-10T16:07:31.256" v="39" actId="20577"/>
+          <ac:chgData name="Zorrilla, Cesar '24" userId="d7064e4d-c079-4c36-afb4-977bcecb02e6" providerId="ADAL" clId="{098C63C8-8B25-4C0A-B8B8-9962D11DED22}" dt="2023-05-16T17:50:34.301" v="279" actId="21"/>
           <ac:spMkLst>
             <pc:docMk/>
             <pc:sldMk cId="3172025758" sldId="257"/>
             <ac:spMk id="2" creationId="{694BA09F-CD16-2C43-2ED7-A95530727096}"/>
           </ac:spMkLst>
         </pc:spChg>
+        <pc:spChg chg="mod">
+          <ac:chgData name="Zorrilla, Cesar '24" userId="d7064e4d-c079-4c36-afb4-977bcecb02e6" providerId="ADAL" clId="{098C63C8-8B25-4C0A-B8B8-9962D11DED22}" dt="2023-05-16T17:59:41.719" v="412" actId="20577"/>
+          <ac:spMkLst>
+            <pc:docMk/>
+            <pc:sldMk cId="3172025758" sldId="257"/>
+            <ac:spMk id="3" creationId="{9F050466-9DF5-1F0B-0F78-957B21685EB9}"/>
+          </ac:spMkLst>
+        </pc:spChg>
+        <pc:picChg chg="add del">
+          <ac:chgData name="Zorrilla, Cesar '24" userId="d7064e4d-c079-4c36-afb4-977bcecb02e6" providerId="ADAL" clId="{098C63C8-8B25-4C0A-B8B8-9962D11DED22}" dt="2023-05-16T17:47:54.265" v="258" actId="478"/>
+          <ac:picMkLst>
+            <pc:docMk/>
+            <pc:sldMk cId="3172025758" sldId="257"/>
+            <ac:picMk id="5" creationId="{0320CB96-88E4-2917-41FB-D9070A2ED38F}"/>
+          </ac:picMkLst>
+        </pc:picChg>
       </pc:sldChg>
       <pc:sldChg chg="modSp new mod">
         <pc:chgData name="Zorrilla, Cesar '24" userId="d7064e4d-c079-4c36-afb4-977bcecb02e6" providerId="ADAL" clId="{098C63C8-8B25-4C0A-B8B8-9962D11DED22}" dt="2023-05-12T19:55:56.730" v="59" actId="20577"/>
@@ -186,12 +250,20 @@
           </ac:spMkLst>
         </pc:spChg>
       </pc:sldChg>
-      <pc:sldChg chg="add">
-        <pc:chgData name="Zorrilla, Cesar '24" userId="d7064e4d-c079-4c36-afb4-977bcecb02e6" providerId="ADAL" clId="{098C63C8-8B25-4C0A-B8B8-9962D11DED22}" dt="2023-05-10T16:09:57.167" v="45"/>
+      <pc:sldChg chg="modSp add mod">
+        <pc:chgData name="Zorrilla, Cesar '24" userId="d7064e4d-c079-4c36-afb4-977bcecb02e6" providerId="ADAL" clId="{098C63C8-8B25-4C0A-B8B8-9962D11DED22}" dt="2023-05-16T17:53:43.943" v="283" actId="20577"/>
         <pc:sldMkLst>
           <pc:docMk/>
           <pc:sldMk cId="2649230545" sldId="259"/>
         </pc:sldMkLst>
+        <pc:spChg chg="mod">
+          <ac:chgData name="Zorrilla, Cesar '24" userId="d7064e4d-c079-4c36-afb4-977bcecb02e6" providerId="ADAL" clId="{098C63C8-8B25-4C0A-B8B8-9962D11DED22}" dt="2023-05-16T17:53:43.943" v="283" actId="20577"/>
+          <ac:spMkLst>
+            <pc:docMk/>
+            <pc:sldMk cId="2649230545" sldId="259"/>
+            <ac:spMk id="2" creationId="{FCD3F52A-6117-3605-918C-6E1DB13CCB23}"/>
+          </ac:spMkLst>
+        </pc:spChg>
       </pc:sldChg>
       <pc:sldChg chg="add">
         <pc:chgData name="Zorrilla, Cesar '24" userId="d7064e4d-c079-4c36-afb4-977bcecb02e6" providerId="ADAL" clId="{098C63C8-8B25-4C0A-B8B8-9962D11DED22}" dt="2023-05-10T16:09:58.594" v="46"/>
@@ -352,7 +424,7 @@
           <a:p>
             <a:fld id="{6C18980B-3844-4793-A027-B4AFC75AC102}" type="datetimeFigureOut">
               <a:rPr lang="en-US" smtClean="0"/>
-              <a:t>5/12/2023</a:t>
+              <a:t>5/16/2023</a:t>
             </a:fld>
             <a:endParaRPr lang="en-US"/>
           </a:p>
@@ -550,7 +622,7 @@
           <a:p>
             <a:fld id="{6C18980B-3844-4793-A027-B4AFC75AC102}" type="datetimeFigureOut">
               <a:rPr lang="en-US" smtClean="0"/>
-              <a:t>5/12/2023</a:t>
+              <a:t>5/16/2023</a:t>
             </a:fld>
             <a:endParaRPr lang="en-US"/>
           </a:p>
@@ -758,7 +830,7 @@
           <a:p>
             <a:fld id="{6C18980B-3844-4793-A027-B4AFC75AC102}" type="datetimeFigureOut">
               <a:rPr lang="en-US" smtClean="0"/>
-              <a:t>5/12/2023</a:t>
+              <a:t>5/16/2023</a:t>
             </a:fld>
             <a:endParaRPr lang="en-US"/>
           </a:p>
@@ -956,7 +1028,7 @@
           <a:p>
             <a:fld id="{6C18980B-3844-4793-A027-B4AFC75AC102}" type="datetimeFigureOut">
               <a:rPr lang="en-US" smtClean="0"/>
-              <a:t>5/12/2023</a:t>
+              <a:t>5/16/2023</a:t>
             </a:fld>
             <a:endParaRPr lang="en-US"/>
           </a:p>
@@ -1231,7 +1303,7 @@
           <a:p>
             <a:fld id="{6C18980B-3844-4793-A027-B4AFC75AC102}" type="datetimeFigureOut">
               <a:rPr lang="en-US" smtClean="0"/>
-              <a:t>5/12/2023</a:t>
+              <a:t>5/16/2023</a:t>
             </a:fld>
             <a:endParaRPr lang="en-US"/>
           </a:p>
@@ -1496,7 +1568,7 @@
           <a:p>
             <a:fld id="{6C18980B-3844-4793-A027-B4AFC75AC102}" type="datetimeFigureOut">
               <a:rPr lang="en-US" smtClean="0"/>
-              <a:t>5/12/2023</a:t>
+              <a:t>5/16/2023</a:t>
             </a:fld>
             <a:endParaRPr lang="en-US"/>
           </a:p>
@@ -1908,7 +1980,7 @@
           <a:p>
             <a:fld id="{6C18980B-3844-4793-A027-B4AFC75AC102}" type="datetimeFigureOut">
               <a:rPr lang="en-US" smtClean="0"/>
-              <a:t>5/12/2023</a:t>
+              <a:t>5/16/2023</a:t>
             </a:fld>
             <a:endParaRPr lang="en-US"/>
           </a:p>
@@ -2049,7 +2121,7 @@
           <a:p>
             <a:fld id="{6C18980B-3844-4793-A027-B4AFC75AC102}" type="datetimeFigureOut">
               <a:rPr lang="en-US" smtClean="0"/>
-              <a:t>5/12/2023</a:t>
+              <a:t>5/16/2023</a:t>
             </a:fld>
             <a:endParaRPr lang="en-US"/>
           </a:p>
@@ -2162,7 +2234,7 @@
           <a:p>
             <a:fld id="{6C18980B-3844-4793-A027-B4AFC75AC102}" type="datetimeFigureOut">
               <a:rPr lang="en-US" smtClean="0"/>
-              <a:t>5/12/2023</a:t>
+              <a:t>5/16/2023</a:t>
             </a:fld>
             <a:endParaRPr lang="en-US"/>
           </a:p>
@@ -2473,7 +2545,7 @@
           <a:p>
             <a:fld id="{6C18980B-3844-4793-A027-B4AFC75AC102}" type="datetimeFigureOut">
               <a:rPr lang="en-US" smtClean="0"/>
-              <a:t>5/12/2023</a:t>
+              <a:t>5/16/2023</a:t>
             </a:fld>
             <a:endParaRPr lang="en-US"/>
           </a:p>
@@ -2761,7 +2833,7 @@
           <a:p>
             <a:fld id="{6C18980B-3844-4793-A027-B4AFC75AC102}" type="datetimeFigureOut">
               <a:rPr lang="en-US" smtClean="0"/>
-              <a:t>5/12/2023</a:t>
+              <a:t>5/16/2023</a:t>
             </a:fld>
             <a:endParaRPr lang="en-US"/>
           </a:p>
@@ -3002,7 +3074,7 @@
           <a:p>
             <a:fld id="{6C18980B-3844-4793-A027-B4AFC75AC102}" type="datetimeFigureOut">
               <a:rPr lang="en-US" smtClean="0"/>
-              <a:t>5/12/2023</a:t>
+              <a:t>5/16/2023</a:t>
             </a:fld>
             <a:endParaRPr lang="en-US"/>
           </a:p>
@@ -3405,6 +3477,14 @@
 <file path=ppt/slides/slide1.xml><?xml version="1.0" encoding="utf-8"?>
 <p:sld xmlns:a="http://schemas.openxmlformats.org/drawingml/2006/main" xmlns:r="http://schemas.openxmlformats.org/officeDocument/2006/relationships" xmlns:p="http://schemas.openxmlformats.org/presentationml/2006/main">
   <p:cSld>
+    <p:bg>
+      <p:bgPr>
+        <a:solidFill>
+          <a:schemeClr val="bg1"/>
+        </a:solidFill>
+        <a:effectLst/>
+      </p:bgPr>
+    </p:bg>
     <p:spTree>
       <p:nvGrpSpPr>
         <p:cNvPr id="1" name=""/>
@@ -3419,6 +3499,66 @@
           <a:chExt cx="0" cy="0"/>
         </a:xfrm>
       </p:grpSpPr>
+      <p:sp useBgFill="1">
+        <p:nvSpPr>
+          <p:cNvPr id="15" name="Rectangle 9">
+            <a:extLst>
+              <a:ext uri="{FF2B5EF4-FFF2-40B4-BE49-F238E27FC236}">
+                <a16:creationId xmlns:a16="http://schemas.microsoft.com/office/drawing/2014/main" id="{665DBBEF-238B-476B-96AB-8AAC3224ECEA}"/>
+              </a:ext>
+              <a:ext uri="{C183D7F6-B498-43B3-948B-1728B52AA6E4}">
+                <adec:decorative xmlns:adec="http://schemas.microsoft.com/office/drawing/2017/decorative" val="1"/>
+              </a:ext>
+            </a:extLst>
+          </p:cNvPr>
+          <p:cNvSpPr>
+            <a:spLocks noGrp="1" noRot="1" noChangeAspect="1" noMove="1" noResize="1" noEditPoints="1" noAdjustHandles="1" noChangeArrowheads="1" noChangeShapeType="1" noTextEdit="1"/>
+          </p:cNvSpPr>
+          <p:nvPr>
+            <p:extLst>
+              <p:ext uri="{386F3935-93C4-4BCD-93E2-E3B085C9AB24}">
+                <p16:designElem xmlns:p16="http://schemas.microsoft.com/office/powerpoint/2015/main" val="1"/>
+              </p:ext>
+            </p:extLst>
+          </p:nvPr>
+        </p:nvSpPr>
+        <p:spPr>
+          <a:xfrm>
+            <a:off x="0" y="0"/>
+            <a:ext cx="12192000" cy="6858000"/>
+          </a:xfrm>
+          <a:prstGeom prst="rect">
+            <a:avLst/>
+          </a:prstGeom>
+          <a:ln>
+            <a:noFill/>
+          </a:ln>
+        </p:spPr>
+        <p:style>
+          <a:lnRef idx="2">
+            <a:schemeClr val="accent1">
+              <a:shade val="50000"/>
+            </a:schemeClr>
+          </a:lnRef>
+          <a:fillRef idx="1">
+            <a:schemeClr val="accent1"/>
+          </a:fillRef>
+          <a:effectRef idx="0">
+            <a:schemeClr val="accent1"/>
+          </a:effectRef>
+          <a:fontRef idx="minor">
+            <a:schemeClr val="lt1"/>
+          </a:fontRef>
+        </p:style>
+        <p:txBody>
+          <a:bodyPr rtlCol="0" anchor="ctr"/>
+          <a:lstStyle/>
+          <a:p>
+            <a:pPr algn="ctr"/>
+            <a:endParaRPr lang="en-US"/>
+          </a:p>
+        </p:txBody>
+      </p:sp>
       <p:sp>
         <p:nvSpPr>
           <p:cNvPr id="2" name="Title 1">
@@ -3435,13 +3575,21 @@
             <p:ph type="ctrTitle"/>
           </p:nvPr>
         </p:nvSpPr>
-        <p:spPr/>
-        <p:txBody>
-          <a:bodyPr/>
-          <a:lstStyle/>
-          <a:p>
-            <a:r>
-              <a:rPr lang="en-US" dirty="0"/>
+        <p:spPr>
+          <a:xfrm>
+            <a:off x="638882" y="639193"/>
+            <a:ext cx="3571810" cy="3573516"/>
+          </a:xfrm>
+        </p:spPr>
+        <p:txBody>
+          <a:bodyPr>
+            <a:normAutofit/>
+          </a:bodyPr>
+          <a:lstStyle/>
+          <a:p>
+            <a:pPr algn="l"/>
+            <a:r>
+              <a:rPr lang="en-US" sz="6100"/>
               <a:t>Geometry Wars</a:t>
             </a:r>
           </a:p>
@@ -3463,18 +3611,329 @@
             <p:ph type="subTitle" idx="1"/>
           </p:nvPr>
         </p:nvSpPr>
-        <p:spPr/>
-        <p:txBody>
-          <a:bodyPr/>
-          <a:lstStyle/>
-          <a:p>
-            <a:r>
-              <a:rPr lang="en-US" dirty="0"/>
+        <p:spPr>
+          <a:xfrm>
+            <a:off x="638882" y="4631161"/>
+            <a:ext cx="3571810" cy="1559327"/>
+          </a:xfrm>
+        </p:spPr>
+        <p:txBody>
+          <a:bodyPr>
+            <a:normAutofit/>
+          </a:bodyPr>
+          <a:lstStyle/>
+          <a:p>
+            <a:pPr algn="l"/>
+            <a:r>
+              <a:rPr lang="en-US"/>
               <a:t>Game by Jaime Cesar Zorrilla</a:t>
             </a:r>
           </a:p>
         </p:txBody>
       </p:sp>
+      <p:sp>
+        <p:nvSpPr>
+          <p:cNvPr id="16" name="sketch line">
+            <a:extLst>
+              <a:ext uri="{FF2B5EF4-FFF2-40B4-BE49-F238E27FC236}">
+                <a16:creationId xmlns:a16="http://schemas.microsoft.com/office/drawing/2014/main" id="{3FCFB1DE-0B7E-48CC-BA90-B2AB0889F9D6}"/>
+              </a:ext>
+              <a:ext uri="{C183D7F6-B498-43B3-948B-1728B52AA6E4}">
+                <adec:decorative xmlns:adec="http://schemas.microsoft.com/office/drawing/2017/decorative" val="1"/>
+              </a:ext>
+            </a:extLst>
+          </p:cNvPr>
+          <p:cNvSpPr>
+            <a:spLocks noGrp="1" noRot="1" noChangeAspect="1" noMove="1" noResize="1" noEditPoints="1" noAdjustHandles="1" noChangeArrowheads="1" noChangeShapeType="1" noTextEdit="1"/>
+          </p:cNvSpPr>
+          <p:nvPr>
+            <p:extLst>
+              <p:ext uri="{386F3935-93C4-4BCD-93E2-E3B085C9AB24}">
+                <p16:designElem xmlns:p16="http://schemas.microsoft.com/office/powerpoint/2015/main" val="1"/>
+              </p:ext>
+            </p:extLst>
+          </p:nvPr>
+        </p:nvSpPr>
+        <p:spPr>
+          <a:xfrm>
+            <a:off x="643278" y="4409267"/>
+            <a:ext cx="3255095" cy="18288"/>
+          </a:xfrm>
+          <a:custGeom>
+            <a:avLst/>
+            <a:gdLst>
+              <a:gd name="connsiteX0" fmla="*/ 0 w 3255095"/>
+              <a:gd name="connsiteY0" fmla="*/ 0 h 18288"/>
+              <a:gd name="connsiteX1" fmla="*/ 618468 w 3255095"/>
+              <a:gd name="connsiteY1" fmla="*/ 0 h 18288"/>
+              <a:gd name="connsiteX2" fmla="*/ 1269487 w 3255095"/>
+              <a:gd name="connsiteY2" fmla="*/ 0 h 18288"/>
+              <a:gd name="connsiteX3" fmla="*/ 1953057 w 3255095"/>
+              <a:gd name="connsiteY3" fmla="*/ 0 h 18288"/>
+              <a:gd name="connsiteX4" fmla="*/ 2636627 w 3255095"/>
+              <a:gd name="connsiteY4" fmla="*/ 0 h 18288"/>
+              <a:gd name="connsiteX5" fmla="*/ 3255095 w 3255095"/>
+              <a:gd name="connsiteY5" fmla="*/ 0 h 18288"/>
+              <a:gd name="connsiteX6" fmla="*/ 3255095 w 3255095"/>
+              <a:gd name="connsiteY6" fmla="*/ 18288 h 18288"/>
+              <a:gd name="connsiteX7" fmla="*/ 2538974 w 3255095"/>
+              <a:gd name="connsiteY7" fmla="*/ 18288 h 18288"/>
+              <a:gd name="connsiteX8" fmla="*/ 1822853 w 3255095"/>
+              <a:gd name="connsiteY8" fmla="*/ 18288 h 18288"/>
+              <a:gd name="connsiteX9" fmla="*/ 1171834 w 3255095"/>
+              <a:gd name="connsiteY9" fmla="*/ 18288 h 18288"/>
+              <a:gd name="connsiteX10" fmla="*/ 0 w 3255095"/>
+              <a:gd name="connsiteY10" fmla="*/ 18288 h 18288"/>
+              <a:gd name="connsiteX11" fmla="*/ 0 w 3255095"/>
+              <a:gd name="connsiteY11" fmla="*/ 0 h 18288"/>
+            </a:gdLst>
+            <a:ahLst/>
+            <a:cxnLst>
+              <a:cxn ang="0">
+                <a:pos x="connsiteX0" y="connsiteY0"/>
+              </a:cxn>
+              <a:cxn ang="0">
+                <a:pos x="connsiteX1" y="connsiteY1"/>
+              </a:cxn>
+              <a:cxn ang="0">
+                <a:pos x="connsiteX2" y="connsiteY2"/>
+              </a:cxn>
+              <a:cxn ang="0">
+                <a:pos x="connsiteX3" y="connsiteY3"/>
+              </a:cxn>
+              <a:cxn ang="0">
+                <a:pos x="connsiteX4" y="connsiteY4"/>
+              </a:cxn>
+              <a:cxn ang="0">
+                <a:pos x="connsiteX5" y="connsiteY5"/>
+              </a:cxn>
+              <a:cxn ang="0">
+                <a:pos x="connsiteX6" y="connsiteY6"/>
+              </a:cxn>
+              <a:cxn ang="0">
+                <a:pos x="connsiteX7" y="connsiteY7"/>
+              </a:cxn>
+              <a:cxn ang="0">
+                <a:pos x="connsiteX8" y="connsiteY8"/>
+              </a:cxn>
+              <a:cxn ang="0">
+                <a:pos x="connsiteX9" y="connsiteY9"/>
+              </a:cxn>
+              <a:cxn ang="0">
+                <a:pos x="connsiteX10" y="connsiteY10"/>
+              </a:cxn>
+              <a:cxn ang="0">
+                <a:pos x="connsiteX11" y="connsiteY11"/>
+              </a:cxn>
+            </a:cxnLst>
+            <a:rect l="l" t="t" r="r" b="b"/>
+            <a:pathLst>
+              <a:path w="3255095" h="18288" fill="none" extrusionOk="0">
+                <a:moveTo>
+                  <a:pt x="0" y="0"/>
+                </a:moveTo>
+                <a:cubicBezTo>
+                  <a:pt x="240201" y="-22123"/>
+                  <a:pt x="462021" y="-19623"/>
+                  <a:pt x="618468" y="0"/>
+                </a:cubicBezTo>
+                <a:cubicBezTo>
+                  <a:pt x="774915" y="19623"/>
+                  <a:pt x="974734" y="2035"/>
+                  <a:pt x="1269487" y="0"/>
+                </a:cubicBezTo>
+                <a:cubicBezTo>
+                  <a:pt x="1564240" y="-2035"/>
+                  <a:pt x="1733579" y="10639"/>
+                  <a:pt x="1953057" y="0"/>
+                </a:cubicBezTo>
+                <a:cubicBezTo>
+                  <a:pt x="2172535" y="-10639"/>
+                  <a:pt x="2453962" y="14018"/>
+                  <a:pt x="2636627" y="0"/>
+                </a:cubicBezTo>
+                <a:cubicBezTo>
+                  <a:pt x="2819292" y="-14018"/>
+                  <a:pt x="3121375" y="5399"/>
+                  <a:pt x="3255095" y="0"/>
+                </a:cubicBezTo>
+                <a:cubicBezTo>
+                  <a:pt x="3254386" y="8157"/>
+                  <a:pt x="3254682" y="12125"/>
+                  <a:pt x="3255095" y="18288"/>
+                </a:cubicBezTo>
+                <a:cubicBezTo>
+                  <a:pt x="3088545" y="23203"/>
+                  <a:pt x="2687475" y="7419"/>
+                  <a:pt x="2538974" y="18288"/>
+                </a:cubicBezTo>
+                <a:cubicBezTo>
+                  <a:pt x="2390473" y="29157"/>
+                  <a:pt x="2137381" y="-8959"/>
+                  <a:pt x="1822853" y="18288"/>
+                </a:cubicBezTo>
+                <a:cubicBezTo>
+                  <a:pt x="1508325" y="45535"/>
+                  <a:pt x="1466437" y="20385"/>
+                  <a:pt x="1171834" y="18288"/>
+                </a:cubicBezTo>
+                <a:cubicBezTo>
+                  <a:pt x="877231" y="16191"/>
+                  <a:pt x="561097" y="37643"/>
+                  <a:pt x="0" y="18288"/>
+                </a:cubicBezTo>
+                <a:cubicBezTo>
+                  <a:pt x="-46" y="12483"/>
+                  <a:pt x="-203" y="6491"/>
+                  <a:pt x="0" y="0"/>
+                </a:cubicBezTo>
+                <a:close/>
+              </a:path>
+              <a:path w="3255095" h="18288" stroke="0" extrusionOk="0">
+                <a:moveTo>
+                  <a:pt x="0" y="0"/>
+                </a:moveTo>
+                <a:cubicBezTo>
+                  <a:pt x="291965" y="19429"/>
+                  <a:pt x="363155" y="8568"/>
+                  <a:pt x="618468" y="0"/>
+                </a:cubicBezTo>
+                <a:cubicBezTo>
+                  <a:pt x="873781" y="-8568"/>
+                  <a:pt x="904459" y="-19505"/>
+                  <a:pt x="1171834" y="0"/>
+                </a:cubicBezTo>
+                <a:cubicBezTo>
+                  <a:pt x="1439209" y="19505"/>
+                  <a:pt x="1744369" y="9790"/>
+                  <a:pt x="1887955" y="0"/>
+                </a:cubicBezTo>
+                <a:cubicBezTo>
+                  <a:pt x="2031541" y="-9790"/>
+                  <a:pt x="2346378" y="21240"/>
+                  <a:pt x="2506423" y="0"/>
+                </a:cubicBezTo>
+                <a:cubicBezTo>
+                  <a:pt x="2666468" y="-21240"/>
+                  <a:pt x="2990257" y="30414"/>
+                  <a:pt x="3255095" y="0"/>
+                </a:cubicBezTo>
+                <a:cubicBezTo>
+                  <a:pt x="3254831" y="4493"/>
+                  <a:pt x="3255479" y="9472"/>
+                  <a:pt x="3255095" y="18288"/>
+                </a:cubicBezTo>
+                <a:cubicBezTo>
+                  <a:pt x="3120743" y="16690"/>
+                  <a:pt x="2759628" y="42462"/>
+                  <a:pt x="2604076" y="18288"/>
+                </a:cubicBezTo>
+                <a:cubicBezTo>
+                  <a:pt x="2448524" y="-5886"/>
+                  <a:pt x="2184336" y="19599"/>
+                  <a:pt x="1887955" y="18288"/>
+                </a:cubicBezTo>
+                <a:cubicBezTo>
+                  <a:pt x="1591574" y="16977"/>
+                  <a:pt x="1548845" y="6870"/>
+                  <a:pt x="1334589" y="18288"/>
+                </a:cubicBezTo>
+                <a:cubicBezTo>
+                  <a:pt x="1120333" y="29706"/>
+                  <a:pt x="996014" y="9662"/>
+                  <a:pt x="683570" y="18288"/>
+                </a:cubicBezTo>
+                <a:cubicBezTo>
+                  <a:pt x="371126" y="26914"/>
+                  <a:pt x="198687" y="16167"/>
+                  <a:pt x="0" y="18288"/>
+                </a:cubicBezTo>
+                <a:cubicBezTo>
+                  <a:pt x="843" y="9577"/>
+                  <a:pt x="371" y="6900"/>
+                  <a:pt x="0" y="0"/>
+                </a:cubicBezTo>
+                <a:close/>
+              </a:path>
+            </a:pathLst>
+          </a:custGeom>
+          <a:solidFill>
+            <a:schemeClr val="accent2"/>
+          </a:solidFill>
+          <a:ln w="38100" cap="rnd">
+            <a:solidFill>
+              <a:schemeClr val="accent2"/>
+            </a:solidFill>
+            <a:round/>
+            <a:extLst>
+              <a:ext uri="{C807C97D-BFC1-408E-A445-0C87EB9F89A2}">
+                <ask:lineSketchStyleProps xmlns:ask="http://schemas.microsoft.com/office/drawing/2018/sketchyshapes" sd="1219033472">
+                  <a:prstGeom prst="rect">
+                    <a:avLst/>
+                  </a:prstGeom>
+                  <ask:type>
+                    <ask:lineSketchFreehand/>
+                  </ask:type>
+                </ask:lineSketchStyleProps>
+              </a:ext>
+            </a:extLst>
+          </a:ln>
+        </p:spPr>
+        <p:style>
+          <a:lnRef idx="2">
+            <a:schemeClr val="accent1">
+              <a:shade val="50000"/>
+            </a:schemeClr>
+          </a:lnRef>
+          <a:fillRef idx="1">
+            <a:schemeClr val="accent1"/>
+          </a:fillRef>
+          <a:effectRef idx="0">
+            <a:schemeClr val="accent1"/>
+          </a:effectRef>
+          <a:fontRef idx="minor">
+            <a:schemeClr val="lt1"/>
+          </a:fontRef>
+        </p:style>
+        <p:txBody>
+          <a:bodyPr rtlCol="0" anchor="ctr"/>
+          <a:lstStyle/>
+          <a:p>
+            <a:pPr algn="ctr"/>
+            <a:endParaRPr lang="en-US"/>
+          </a:p>
+        </p:txBody>
+      </p:sp>
+      <p:pic>
+        <p:nvPicPr>
+          <p:cNvPr id="5" name="Picture 4">
+            <a:extLst>
+              <a:ext uri="{FF2B5EF4-FFF2-40B4-BE49-F238E27FC236}">
+                <a16:creationId xmlns:a16="http://schemas.microsoft.com/office/drawing/2014/main" id="{978E9157-6CBF-0446-C84E-CD8DAD1E9D54}"/>
+              </a:ext>
+            </a:extLst>
+          </p:cNvPr>
+          <p:cNvPicPr>
+            <a:picLocks noChangeAspect="1"/>
+          </p:cNvPicPr>
+          <p:nvPr/>
+        </p:nvPicPr>
+        <p:blipFill>
+          <a:blip r:embed="rId2"/>
+          <a:stretch>
+            <a:fillRect/>
+          </a:stretch>
+        </p:blipFill>
+        <p:spPr>
+          <a:xfrm>
+            <a:off x="4654296" y="718821"/>
+            <a:ext cx="7214616" cy="5392925"/>
+          </a:xfrm>
+          <a:prstGeom prst="rect">
+            <a:avLst/>
+          </a:prstGeom>
+        </p:spPr>
+      </p:pic>
     </p:spTree>
     <p:extLst>
       <p:ext uri="{BB962C8B-B14F-4D97-AF65-F5344CB8AC3E}">
@@ -3528,7 +3987,7 @@
           <a:p>
             <a:r>
               <a:rPr lang="en-US" dirty="0"/>
-              <a:t>Goal, pride, problem, future</a:t>
+              <a:t>Goal &amp; pride</a:t>
             </a:r>
           </a:p>
         </p:txBody>
@@ -3554,7 +4013,33 @@
           <a:bodyPr/>
           <a:lstStyle/>
           <a:p>
-            <a:endParaRPr lang="en-US"/>
+            <a:pPr marL="0" indent="0" algn="ctr">
+              <a:buNone/>
+            </a:pPr>
+            <a:r>
+              <a:rPr lang="en-US" dirty="0"/>
+              <a:t>The goal was to create a game with a focus on challenging gameplay and interesting lore. Under this, the </a:t>
+            </a:r>
+            <a:r>
+              <a:rPr lang="en-US"/>
+              <a:t>specific goals were</a:t>
+            </a:r>
+            <a:endParaRPr lang="en-US" dirty="0"/>
+          </a:p>
+          <a:p>
+            <a:pPr marL="0" indent="0" algn="ctr">
+              <a:buNone/>
+            </a:pPr>
+            <a:endParaRPr lang="en-US" dirty="0"/>
+          </a:p>
+          <a:p>
+            <a:pPr marL="0" indent="0" algn="ctr">
+              <a:buNone/>
+            </a:pPr>
+            <a:r>
+              <a:rPr lang="en-US" dirty="0"/>
+              <a:t>The thing I am most proud of is the respawn mechanic</a:t>
+            </a:r>
           </a:p>
         </p:txBody>
       </p:sp>
@@ -3694,7 +4179,7 @@
           <a:p>
             <a:r>
               <a:rPr lang="en-US" dirty="0"/>
-              <a:t>Code</a:t>
+              <a:t>Problem &amp; future</a:t>
             </a:r>
           </a:p>
         </p:txBody>

--- a/Gun Run Presentation.pptx
+++ b/Gun Run Presentation.pptx
@@ -7,8 +7,8 @@
   <p:sldIdLst>
     <p:sldId id="256" r:id="rId2"/>
     <p:sldId id="257" r:id="rId3"/>
-    <p:sldId id="258" r:id="rId4"/>
-    <p:sldId id="259" r:id="rId5"/>
+    <p:sldId id="259" r:id="rId4"/>
+    <p:sldId id="258" r:id="rId5"/>
     <p:sldId id="260" r:id="rId6"/>
   </p:sldIdLst>
   <p:sldSz cx="12192000" cy="6858000"/>
@@ -128,19 +128,19 @@
 <pc:chgInfo xmlns:a="http://schemas.openxmlformats.org/drawingml/2006/main" xmlns:r="http://schemas.openxmlformats.org/officeDocument/2006/relationships" xmlns:ac="http://schemas.microsoft.com/office/drawing/2013/main/command" xmlns:pc="http://schemas.microsoft.com/office/powerpoint/2013/main/command">
   <pc:docChgLst>
     <pc:chgData name="Zorrilla, Cesar '24" userId="d7064e4d-c079-4c36-afb4-977bcecb02e6" providerId="ADAL" clId="{098C63C8-8B25-4C0A-B8B8-9962D11DED22}"/>
-    <pc:docChg chg="undo custSel addSld modSld">
-      <pc:chgData name="Zorrilla, Cesar '24" userId="d7064e4d-c079-4c36-afb4-977bcecb02e6" providerId="ADAL" clId="{098C63C8-8B25-4C0A-B8B8-9962D11DED22}" dt="2023-05-16T17:59:41.719" v="412" actId="20577"/>
+    <pc:docChg chg="undo custSel addSld modSld sldOrd">
+      <pc:chgData name="Zorrilla, Cesar '24" userId="d7064e4d-c079-4c36-afb4-977bcecb02e6" providerId="ADAL" clId="{098C63C8-8B25-4C0A-B8B8-9962D11DED22}" dt="2023-05-16T18:16:13.982" v="663"/>
       <pc:docMkLst>
         <pc:docMk/>
       </pc:docMkLst>
       <pc:sldChg chg="addSp delSp modSp mod setBg addAnim delAnim setClrOvrMap">
-        <pc:chgData name="Zorrilla, Cesar '24" userId="d7064e4d-c079-4c36-afb4-977bcecb02e6" providerId="ADAL" clId="{098C63C8-8B25-4C0A-B8B8-9962D11DED22}" dt="2023-05-16T14:43:16.849" v="157" actId="26606"/>
+        <pc:chgData name="Zorrilla, Cesar '24" userId="d7064e4d-c079-4c36-afb4-977bcecb02e6" providerId="ADAL" clId="{098C63C8-8B25-4C0A-B8B8-9962D11DED22}" dt="2023-05-16T18:01:53.489" v="432" actId="20577"/>
         <pc:sldMkLst>
           <pc:docMk/>
           <pc:sldMk cId="1925557711" sldId="256"/>
         </pc:sldMkLst>
         <pc:spChg chg="mod">
-          <ac:chgData name="Zorrilla, Cesar '24" userId="d7064e4d-c079-4c36-afb4-977bcecb02e6" providerId="ADAL" clId="{098C63C8-8B25-4C0A-B8B8-9962D11DED22}" dt="2023-05-16T14:43:16.849" v="157" actId="26606"/>
+          <ac:chgData name="Zorrilla, Cesar '24" userId="d7064e4d-c079-4c36-afb4-977bcecb02e6" providerId="ADAL" clId="{098C63C8-8B25-4C0A-B8B8-9962D11DED22}" dt="2023-05-16T18:01:53.489" v="432" actId="20577"/>
           <ac:spMkLst>
             <pc:docMk/>
             <pc:sldMk cId="1925557711" sldId="256"/>
@@ -205,7 +205,7 @@
         </pc:picChg>
       </pc:sldChg>
       <pc:sldChg chg="addSp delSp modSp new mod">
-        <pc:chgData name="Zorrilla, Cesar '24" userId="d7064e4d-c079-4c36-afb4-977bcecb02e6" providerId="ADAL" clId="{098C63C8-8B25-4C0A-B8B8-9962D11DED22}" dt="2023-05-16T17:59:41.719" v="412" actId="20577"/>
+        <pc:chgData name="Zorrilla, Cesar '24" userId="d7064e4d-c079-4c36-afb4-977bcecb02e6" providerId="ADAL" clId="{098C63C8-8B25-4C0A-B8B8-9962D11DED22}" dt="2023-05-16T18:16:07.707" v="661" actId="20577"/>
         <pc:sldMkLst>
           <pc:docMk/>
           <pc:sldMk cId="3172025758" sldId="257"/>
@@ -219,7 +219,7 @@
           </ac:spMkLst>
         </pc:spChg>
         <pc:spChg chg="mod">
-          <ac:chgData name="Zorrilla, Cesar '24" userId="d7064e4d-c079-4c36-afb4-977bcecb02e6" providerId="ADAL" clId="{098C63C8-8B25-4C0A-B8B8-9962D11DED22}" dt="2023-05-16T17:59:41.719" v="412" actId="20577"/>
+          <ac:chgData name="Zorrilla, Cesar '24" userId="d7064e4d-c079-4c36-afb4-977bcecb02e6" providerId="ADAL" clId="{098C63C8-8B25-4C0A-B8B8-9962D11DED22}" dt="2023-05-16T18:16:07.707" v="661" actId="20577"/>
           <ac:spMkLst>
             <pc:docMk/>
             <pc:sldMk cId="3172025758" sldId="257"/>
@@ -250,8 +250,8 @@
           </ac:spMkLst>
         </pc:spChg>
       </pc:sldChg>
-      <pc:sldChg chg="modSp add mod">
-        <pc:chgData name="Zorrilla, Cesar '24" userId="d7064e4d-c079-4c36-afb4-977bcecb02e6" providerId="ADAL" clId="{098C63C8-8B25-4C0A-B8B8-9962D11DED22}" dt="2023-05-16T17:53:43.943" v="283" actId="20577"/>
+      <pc:sldChg chg="modSp add mod ord">
+        <pc:chgData name="Zorrilla, Cesar '24" userId="d7064e4d-c079-4c36-afb4-977bcecb02e6" providerId="ADAL" clId="{098C63C8-8B25-4C0A-B8B8-9962D11DED22}" dt="2023-05-16T18:16:13.982" v="663"/>
         <pc:sldMkLst>
           <pc:docMk/>
           <pc:sldMk cId="2649230545" sldId="259"/>
@@ -3589,8 +3589,8 @@
           <a:p>
             <a:pPr algn="l"/>
             <a:r>
-              <a:rPr lang="en-US" sz="6100"/>
-              <a:t>Geometry Wars</a:t>
+              <a:rPr lang="en-US" sz="6100" dirty="0"/>
+              <a:t>Gun Run</a:t>
             </a:r>
           </a:p>
         </p:txBody>
@@ -4018,13 +4018,8 @@
             </a:pPr>
             <a:r>
               <a:rPr lang="en-US" dirty="0"/>
-              <a:t>The goal was to create a game with a focus on challenging gameplay and interesting lore. Under this, the </a:t>
-            </a:r>
-            <a:r>
-              <a:rPr lang="en-US"/>
-              <a:t>specific goals were</a:t>
-            </a:r>
-            <a:endParaRPr lang="en-US" dirty="0"/>
+              <a:t>The goal was to create a game with a focus on challenging gameplay and interesting lore. Under this, the specific goals were adding a timer, adding visual feedback for player health, a respawn mechanic for when a player falls of the world, a bullet mob, on screen text, and randomized platforms. I met all goals but the last one.</a:t>
+            </a:r>
           </a:p>
           <a:p>
             <a:pPr marL="0" indent="0" algn="ctr">
@@ -4096,7 +4091,7 @@
           <a:p>
             <a:r>
               <a:rPr lang="en-US" dirty="0"/>
-              <a:t>Process</a:t>
+              <a:t>Problem &amp; future</a:t>
             </a:r>
           </a:p>
         </p:txBody>
@@ -4129,7 +4124,7 @@
     </p:spTree>
     <p:extLst>
       <p:ext uri="{BB962C8B-B14F-4D97-AF65-F5344CB8AC3E}">
-        <p14:creationId xmlns:p14="http://schemas.microsoft.com/office/powerpoint/2010/main" val="513826829"/>
+        <p14:creationId xmlns:p14="http://schemas.microsoft.com/office/powerpoint/2010/main" val="2649230545"/>
       </p:ext>
     </p:extLst>
   </p:cSld>
@@ -4179,7 +4174,7 @@
           <a:p>
             <a:r>
               <a:rPr lang="en-US" dirty="0"/>
-              <a:t>Problem &amp; future</a:t>
+              <a:t>Process</a:t>
             </a:r>
           </a:p>
         </p:txBody>
@@ -4212,7 +4207,7 @@
     </p:spTree>
     <p:extLst>
       <p:ext uri="{BB962C8B-B14F-4D97-AF65-F5344CB8AC3E}">
-        <p14:creationId xmlns:p14="http://schemas.microsoft.com/office/powerpoint/2010/main" val="2649230545"/>
+        <p14:creationId xmlns:p14="http://schemas.microsoft.com/office/powerpoint/2010/main" val="513826829"/>
       </p:ext>
     </p:extLst>
   </p:cSld>

--- a/Gun Run Presentation.pptx
+++ b/Gun Run Presentation.pptx
@@ -129,7 +129,7 @@
   <pc:docChgLst>
     <pc:chgData name="Zorrilla, Cesar '24" userId="d7064e4d-c079-4c36-afb4-977bcecb02e6" providerId="ADAL" clId="{098C63C8-8B25-4C0A-B8B8-9962D11DED22}"/>
     <pc:docChg chg="undo custSel addSld modSld sldOrd">
-      <pc:chgData name="Zorrilla, Cesar '24" userId="d7064e4d-c079-4c36-afb4-977bcecb02e6" providerId="ADAL" clId="{098C63C8-8B25-4C0A-B8B8-9962D11DED22}" dt="2023-05-16T18:16:13.982" v="663"/>
+      <pc:chgData name="Zorrilla, Cesar '24" userId="d7064e4d-c079-4c36-afb4-977bcecb02e6" providerId="ADAL" clId="{098C63C8-8B25-4C0A-B8B8-9962D11DED22}" dt="2023-05-16T18:24:34.337" v="666" actId="478"/>
       <pc:docMkLst>
         <pc:docMk/>
       </pc:docMkLst>
@@ -251,7 +251,7 @@
         </pc:spChg>
       </pc:sldChg>
       <pc:sldChg chg="modSp add mod ord">
-        <pc:chgData name="Zorrilla, Cesar '24" userId="d7064e4d-c079-4c36-afb4-977bcecb02e6" providerId="ADAL" clId="{098C63C8-8B25-4C0A-B8B8-9962D11DED22}" dt="2023-05-16T18:16:13.982" v="663"/>
+        <pc:chgData name="Zorrilla, Cesar '24" userId="d7064e4d-c079-4c36-afb4-977bcecb02e6" providerId="ADAL" clId="{098C63C8-8B25-4C0A-B8B8-9962D11DED22}" dt="2023-05-16T18:24:12.189" v="665" actId="122"/>
         <pc:sldMkLst>
           <pc:docMk/>
           <pc:sldMk cId="2649230545" sldId="259"/>
@@ -264,13 +264,29 @@
             <ac:spMk id="2" creationId="{FCD3F52A-6117-3605-918C-6E1DB13CCB23}"/>
           </ac:spMkLst>
         </pc:spChg>
+        <pc:spChg chg="mod">
+          <ac:chgData name="Zorrilla, Cesar '24" userId="d7064e4d-c079-4c36-afb4-977bcecb02e6" providerId="ADAL" clId="{098C63C8-8B25-4C0A-B8B8-9962D11DED22}" dt="2023-05-16T18:24:12.189" v="665" actId="122"/>
+          <ac:spMkLst>
+            <pc:docMk/>
+            <pc:sldMk cId="2649230545" sldId="259"/>
+            <ac:spMk id="3" creationId="{6BE06EB4-AFD0-4927-8E96-A5B855E07FAE}"/>
+          </ac:spMkLst>
+        </pc:spChg>
       </pc:sldChg>
-      <pc:sldChg chg="add">
-        <pc:chgData name="Zorrilla, Cesar '24" userId="d7064e4d-c079-4c36-afb4-977bcecb02e6" providerId="ADAL" clId="{098C63C8-8B25-4C0A-B8B8-9962D11DED22}" dt="2023-05-10T16:09:58.594" v="46"/>
+      <pc:sldChg chg="delSp add mod">
+        <pc:chgData name="Zorrilla, Cesar '24" userId="d7064e4d-c079-4c36-afb4-977bcecb02e6" providerId="ADAL" clId="{098C63C8-8B25-4C0A-B8B8-9962D11DED22}" dt="2023-05-16T18:24:34.337" v="666" actId="478"/>
         <pc:sldMkLst>
           <pc:docMk/>
           <pc:sldMk cId="2558162833" sldId="260"/>
         </pc:sldMkLst>
+        <pc:spChg chg="del">
+          <ac:chgData name="Zorrilla, Cesar '24" userId="d7064e4d-c079-4c36-afb4-977bcecb02e6" providerId="ADAL" clId="{098C63C8-8B25-4C0A-B8B8-9962D11DED22}" dt="2023-05-16T18:24:34.337" v="666" actId="478"/>
+          <ac:spMkLst>
+            <pc:docMk/>
+            <pc:sldMk cId="2558162833" sldId="260"/>
+            <ac:spMk id="3" creationId="{6BE06EB4-AFD0-4927-8E96-A5B855E07FAE}"/>
+          </ac:spMkLst>
+        </pc:spChg>
       </pc:sldChg>
     </pc:docChg>
   </pc:docChgLst>
@@ -4117,7 +4133,10 @@
           <a:bodyPr/>
           <a:lstStyle/>
           <a:p>
-            <a:endParaRPr lang="en-US"/>
+            <a:pPr marL="0" indent="0" algn="ctr">
+              <a:buNone/>
+            </a:pPr>
+            <a:endParaRPr lang="en-US" dirty="0"/>
           </a:p>
         </p:txBody>
       </p:sp>
@@ -4259,31 +4278,6 @@
               <a:rPr lang="en-US" dirty="0"/>
               <a:t>Code</a:t>
             </a:r>
-          </a:p>
-        </p:txBody>
-      </p:sp>
-      <p:sp>
-        <p:nvSpPr>
-          <p:cNvPr id="3" name="Content Placeholder 2">
-            <a:extLst>
-              <a:ext uri="{FF2B5EF4-FFF2-40B4-BE49-F238E27FC236}">
-                <a16:creationId xmlns:a16="http://schemas.microsoft.com/office/drawing/2014/main" id="{6BE06EB4-AFD0-4927-8E96-A5B855E07FAE}"/>
-              </a:ext>
-            </a:extLst>
-          </p:cNvPr>
-          <p:cNvSpPr>
-            <a:spLocks noGrp="1"/>
-          </p:cNvSpPr>
-          <p:nvPr>
-            <p:ph idx="1"/>
-          </p:nvPr>
-        </p:nvSpPr>
-        <p:spPr/>
-        <p:txBody>
-          <a:bodyPr/>
-          <a:lstStyle/>
-          <a:p>
-            <a:endParaRPr lang="en-US"/>
           </a:p>
         </p:txBody>
       </p:sp>

--- a/Gun Run Presentation.pptx
+++ b/Gun Run Presentation.pptx
@@ -10,6 +10,7 @@
     <p:sldId id="259" r:id="rId4"/>
     <p:sldId id="258" r:id="rId5"/>
     <p:sldId id="260" r:id="rId6"/>
+    <p:sldId id="261" r:id="rId7"/>
   </p:sldIdLst>
   <p:sldSz cx="12192000" cy="6858000"/>
   <p:notesSz cx="6858000" cy="9144000"/>
@@ -129,7 +130,7 @@
   <pc:docChgLst>
     <pc:chgData name="Zorrilla, Cesar '24" userId="d7064e4d-c079-4c36-afb4-977bcecb02e6" providerId="ADAL" clId="{098C63C8-8B25-4C0A-B8B8-9962D11DED22}"/>
     <pc:docChg chg="undo custSel addSld modSld sldOrd">
-      <pc:chgData name="Zorrilla, Cesar '24" userId="d7064e4d-c079-4c36-afb4-977bcecb02e6" providerId="ADAL" clId="{098C63C8-8B25-4C0A-B8B8-9962D11DED22}" dt="2023-05-16T18:24:34.337" v="666" actId="478"/>
+      <pc:chgData name="Zorrilla, Cesar '24" userId="d7064e4d-c079-4c36-afb4-977bcecb02e6" providerId="ADAL" clId="{098C63C8-8B25-4C0A-B8B8-9962D11DED22}" dt="2023-05-16T18:41:23.187" v="1291" actId="20577"/>
       <pc:docMkLst>
         <pc:docMk/>
       </pc:docMkLst>
@@ -236,7 +237,7 @@
         </pc:picChg>
       </pc:sldChg>
       <pc:sldChg chg="modSp new mod">
-        <pc:chgData name="Zorrilla, Cesar '24" userId="d7064e4d-c079-4c36-afb4-977bcecb02e6" providerId="ADAL" clId="{098C63C8-8B25-4C0A-B8B8-9962D11DED22}" dt="2023-05-12T19:55:56.730" v="59" actId="20577"/>
+        <pc:chgData name="Zorrilla, Cesar '24" userId="d7064e4d-c079-4c36-afb4-977bcecb02e6" providerId="ADAL" clId="{098C63C8-8B25-4C0A-B8B8-9962D11DED22}" dt="2023-05-16T18:41:23.187" v="1291" actId="20577"/>
         <pc:sldMkLst>
           <pc:docMk/>
           <pc:sldMk cId="513826829" sldId="258"/>
@@ -249,9 +250,17 @@
             <ac:spMk id="2" creationId="{FCD3F52A-6117-3605-918C-6E1DB13CCB23}"/>
           </ac:spMkLst>
         </pc:spChg>
+        <pc:spChg chg="mod">
+          <ac:chgData name="Zorrilla, Cesar '24" userId="d7064e4d-c079-4c36-afb4-977bcecb02e6" providerId="ADAL" clId="{098C63C8-8B25-4C0A-B8B8-9962D11DED22}" dt="2023-05-16T18:41:23.187" v="1291" actId="20577"/>
+          <ac:spMkLst>
+            <pc:docMk/>
+            <pc:sldMk cId="513826829" sldId="258"/>
+            <ac:spMk id="3" creationId="{6BE06EB4-AFD0-4927-8E96-A5B855E07FAE}"/>
+          </ac:spMkLst>
+        </pc:spChg>
       </pc:sldChg>
       <pc:sldChg chg="modSp add mod ord">
-        <pc:chgData name="Zorrilla, Cesar '24" userId="d7064e4d-c079-4c36-afb4-977bcecb02e6" providerId="ADAL" clId="{098C63C8-8B25-4C0A-B8B8-9962D11DED22}" dt="2023-05-16T18:24:12.189" v="665" actId="122"/>
+        <pc:chgData name="Zorrilla, Cesar '24" userId="d7064e4d-c079-4c36-afb4-977bcecb02e6" providerId="ADAL" clId="{098C63C8-8B25-4C0A-B8B8-9962D11DED22}" dt="2023-05-16T18:36:47.219" v="994" actId="20577"/>
         <pc:sldMkLst>
           <pc:docMk/>
           <pc:sldMk cId="2649230545" sldId="259"/>
@@ -265,7 +274,7 @@
           </ac:spMkLst>
         </pc:spChg>
         <pc:spChg chg="mod">
-          <ac:chgData name="Zorrilla, Cesar '24" userId="d7064e4d-c079-4c36-afb4-977bcecb02e6" providerId="ADAL" clId="{098C63C8-8B25-4C0A-B8B8-9962D11DED22}" dt="2023-05-16T18:24:12.189" v="665" actId="122"/>
+          <ac:chgData name="Zorrilla, Cesar '24" userId="d7064e4d-c079-4c36-afb4-977bcecb02e6" providerId="ADAL" clId="{098C63C8-8B25-4C0A-B8B8-9962D11DED22}" dt="2023-05-16T18:36:47.219" v="994" actId="20577"/>
           <ac:spMkLst>
             <pc:docMk/>
             <pc:sldMk cId="2649230545" sldId="259"/>
@@ -273,12 +282,20 @@
           </ac:spMkLst>
         </pc:spChg>
       </pc:sldChg>
-      <pc:sldChg chg="delSp add mod">
-        <pc:chgData name="Zorrilla, Cesar '24" userId="d7064e4d-c079-4c36-afb4-977bcecb02e6" providerId="ADAL" clId="{098C63C8-8B25-4C0A-B8B8-9962D11DED22}" dt="2023-05-16T18:24:34.337" v="666" actId="478"/>
+      <pc:sldChg chg="addSp delSp modSp add mod">
+        <pc:chgData name="Zorrilla, Cesar '24" userId="d7064e4d-c079-4c36-afb4-977bcecb02e6" providerId="ADAL" clId="{098C63C8-8B25-4C0A-B8B8-9962D11DED22}" dt="2023-05-16T18:38:42.437" v="1062" actId="14100"/>
         <pc:sldMkLst>
           <pc:docMk/>
           <pc:sldMk cId="2558162833" sldId="260"/>
         </pc:sldMkLst>
+        <pc:spChg chg="mod">
+          <ac:chgData name="Zorrilla, Cesar '24" userId="d7064e4d-c079-4c36-afb4-977bcecb02e6" providerId="ADAL" clId="{098C63C8-8B25-4C0A-B8B8-9962D11DED22}" dt="2023-05-16T18:29:58.412" v="704" actId="1076"/>
+          <ac:spMkLst>
+            <pc:docMk/>
+            <pc:sldMk cId="2558162833" sldId="260"/>
+            <ac:spMk id="2" creationId="{FCD3F52A-6117-3605-918C-6E1DB13CCB23}"/>
+          </ac:spMkLst>
+        </pc:spChg>
         <pc:spChg chg="del">
           <ac:chgData name="Zorrilla, Cesar '24" userId="d7064e4d-c079-4c36-afb4-977bcecb02e6" providerId="ADAL" clId="{098C63C8-8B25-4C0A-B8B8-9962D11DED22}" dt="2023-05-16T18:24:34.337" v="666" actId="478"/>
           <ac:spMkLst>
@@ -287,6 +304,77 @@
             <ac:spMk id="3" creationId="{6BE06EB4-AFD0-4927-8E96-A5B855E07FAE}"/>
           </ac:spMkLst>
         </pc:spChg>
+        <pc:picChg chg="add del mod">
+          <ac:chgData name="Zorrilla, Cesar '24" userId="d7064e4d-c079-4c36-afb4-977bcecb02e6" providerId="ADAL" clId="{098C63C8-8B25-4C0A-B8B8-9962D11DED22}" dt="2023-05-16T18:38:33.837" v="1056" actId="478"/>
+          <ac:picMkLst>
+            <pc:docMk/>
+            <pc:sldMk cId="2558162833" sldId="260"/>
+            <ac:picMk id="4" creationId="{59585FA1-C3EE-CD1C-57CE-5562B03849C5}"/>
+          </ac:picMkLst>
+        </pc:picChg>
+        <pc:picChg chg="add mod">
+          <ac:chgData name="Zorrilla, Cesar '24" userId="d7064e4d-c079-4c36-afb4-977bcecb02e6" providerId="ADAL" clId="{098C63C8-8B25-4C0A-B8B8-9962D11DED22}" dt="2023-05-16T18:38:42.437" v="1062" actId="14100"/>
+          <ac:picMkLst>
+            <pc:docMk/>
+            <pc:sldMk cId="2558162833" sldId="260"/>
+            <ac:picMk id="6" creationId="{FEAEDBB5-9EB5-13C5-7EEF-19AB94A118F8}"/>
+          </ac:picMkLst>
+        </pc:picChg>
+        <pc:picChg chg="add mod">
+          <ac:chgData name="Zorrilla, Cesar '24" userId="d7064e4d-c079-4c36-afb4-977bcecb02e6" providerId="ADAL" clId="{098C63C8-8B25-4C0A-B8B8-9962D11DED22}" dt="2023-05-16T18:38:40.430" v="1061" actId="1076"/>
+          <ac:picMkLst>
+            <pc:docMk/>
+            <pc:sldMk cId="2558162833" sldId="260"/>
+            <ac:picMk id="8" creationId="{7B57BC2B-3823-D2BA-0602-C0FDEE41F5FD}"/>
+          </ac:picMkLst>
+        </pc:picChg>
+        <pc:picChg chg="add del mod">
+          <ac:chgData name="Zorrilla, Cesar '24" userId="d7064e4d-c079-4c36-afb4-977bcecb02e6" providerId="ADAL" clId="{098C63C8-8B25-4C0A-B8B8-9962D11DED22}" dt="2023-05-16T18:38:32.961" v="1055" actId="478"/>
+          <ac:picMkLst>
+            <pc:docMk/>
+            <pc:sldMk cId="2558162833" sldId="260"/>
+            <ac:picMk id="10" creationId="{B34C10B8-99CB-32ED-94FF-D54B2C55E37A}"/>
+          </ac:picMkLst>
+        </pc:picChg>
+      </pc:sldChg>
+      <pc:sldChg chg="delSp modSp add mod">
+        <pc:chgData name="Zorrilla, Cesar '24" userId="d7064e4d-c079-4c36-afb4-977bcecb02e6" providerId="ADAL" clId="{098C63C8-8B25-4C0A-B8B8-9962D11DED22}" dt="2023-05-16T18:38:57.603" v="1074" actId="1076"/>
+        <pc:sldMkLst>
+          <pc:docMk/>
+          <pc:sldMk cId="1487198167" sldId="261"/>
+        </pc:sldMkLst>
+        <pc:picChg chg="mod">
+          <ac:chgData name="Zorrilla, Cesar '24" userId="d7064e4d-c079-4c36-afb4-977bcecb02e6" providerId="ADAL" clId="{098C63C8-8B25-4C0A-B8B8-9962D11DED22}" dt="2023-05-16T18:38:53.456" v="1071" actId="1076"/>
+          <ac:picMkLst>
+            <pc:docMk/>
+            <pc:sldMk cId="1487198167" sldId="261"/>
+            <ac:picMk id="4" creationId="{59585FA1-C3EE-CD1C-57CE-5562B03849C5}"/>
+          </ac:picMkLst>
+        </pc:picChg>
+        <pc:picChg chg="del">
+          <ac:chgData name="Zorrilla, Cesar '24" userId="d7064e4d-c079-4c36-afb4-977bcecb02e6" providerId="ADAL" clId="{098C63C8-8B25-4C0A-B8B8-9962D11DED22}" dt="2023-05-16T18:38:45.903" v="1063" actId="478"/>
+          <ac:picMkLst>
+            <pc:docMk/>
+            <pc:sldMk cId="1487198167" sldId="261"/>
+            <ac:picMk id="6" creationId="{FEAEDBB5-9EB5-13C5-7EEF-19AB94A118F8}"/>
+          </ac:picMkLst>
+        </pc:picChg>
+        <pc:picChg chg="del">
+          <ac:chgData name="Zorrilla, Cesar '24" userId="d7064e4d-c079-4c36-afb4-977bcecb02e6" providerId="ADAL" clId="{098C63C8-8B25-4C0A-B8B8-9962D11DED22}" dt="2023-05-16T18:38:46.597" v="1064" actId="478"/>
+          <ac:picMkLst>
+            <pc:docMk/>
+            <pc:sldMk cId="1487198167" sldId="261"/>
+            <ac:picMk id="8" creationId="{7B57BC2B-3823-D2BA-0602-C0FDEE41F5FD}"/>
+          </ac:picMkLst>
+        </pc:picChg>
+        <pc:picChg chg="mod">
+          <ac:chgData name="Zorrilla, Cesar '24" userId="d7064e4d-c079-4c36-afb4-977bcecb02e6" providerId="ADAL" clId="{098C63C8-8B25-4C0A-B8B8-9962D11DED22}" dt="2023-05-16T18:38:57.603" v="1074" actId="1076"/>
+          <ac:picMkLst>
+            <pc:docMk/>
+            <pc:sldMk cId="1487198167" sldId="261"/>
+            <ac:picMk id="10" creationId="{B34C10B8-99CB-32ED-94FF-D54B2C55E37A}"/>
+          </ac:picMkLst>
+        </pc:picChg>
       </pc:sldChg>
     </pc:docChg>
   </pc:docChgLst>
@@ -4136,7 +4224,25 @@
             <a:pPr marL="0" indent="0" algn="ctr">
               <a:buNone/>
             </a:pPr>
+            <a:r>
+              <a:rPr lang="en-US" dirty="0"/>
+              <a:t>I was unable to create random platforms that consistently met the requirements I desired. The best attempt made the game difficult. The worst made use of lists and broke the game.</a:t>
+            </a:r>
+          </a:p>
+          <a:p>
+            <a:pPr marL="0" indent="0" algn="ctr">
+              <a:buNone/>
+            </a:pPr>
             <a:endParaRPr lang="en-US" dirty="0"/>
+          </a:p>
+          <a:p>
+            <a:pPr marL="0" indent="0" algn="ctr">
+              <a:buNone/>
+            </a:pPr>
+            <a:r>
+              <a:rPr lang="en-US" dirty="0"/>
+              <a:t>In the future, I plan to implement this and add actual sprites for the game.</a:t>
+            </a:r>
           </a:p>
         </p:txBody>
       </p:sp>
@@ -4219,7 +4325,33 @@
           <a:bodyPr/>
           <a:lstStyle/>
           <a:p>
-            <a:endParaRPr lang="en-US"/>
+            <a:pPr marL="0" indent="0" algn="ctr">
+              <a:buNone/>
+            </a:pPr>
+            <a:r>
+              <a:rPr lang="en-US" dirty="0"/>
+              <a:t>The process was simple. Use what I know to create rudimentary version of a system, occasionally break the code, and when nothing seems to work, ask for help.</a:t>
+            </a:r>
+          </a:p>
+          <a:p>
+            <a:pPr marL="0" indent="0" algn="ctr">
+              <a:buNone/>
+            </a:pPr>
+            <a:endParaRPr lang="en-US" dirty="0"/>
+          </a:p>
+          <a:p>
+            <a:pPr marL="0" indent="0" algn="ctr">
+              <a:buNone/>
+            </a:pPr>
+            <a:r>
+              <a:rPr lang="en-US" dirty="0"/>
+              <a:t>That final step was limited due to schedules, but it was attempted as often </a:t>
+            </a:r>
+            <a:r>
+              <a:rPr lang="en-US"/>
+              <a:t>as possible.</a:t>
+            </a:r>
+            <a:endParaRPr lang="en-US" dirty="0"/>
           </a:p>
         </p:txBody>
       </p:sp>
@@ -4269,7 +4401,12 @@
             <p:ph type="title"/>
           </p:nvPr>
         </p:nvSpPr>
-        <p:spPr/>
+        <p:spPr>
+          <a:xfrm>
+            <a:off x="453448" y="684179"/>
+            <a:ext cx="10515600" cy="1325563"/>
+          </a:xfrm>
+        </p:spPr>
         <p:txBody>
           <a:bodyPr/>
           <a:lstStyle/>
@@ -4281,10 +4418,193 @@
           </a:p>
         </p:txBody>
       </p:sp>
+      <p:pic>
+        <p:nvPicPr>
+          <p:cNvPr id="6" name="Picture 5">
+            <a:extLst>
+              <a:ext uri="{FF2B5EF4-FFF2-40B4-BE49-F238E27FC236}">
+                <a16:creationId xmlns:a16="http://schemas.microsoft.com/office/drawing/2014/main" id="{FEAEDBB5-9EB5-13C5-7EEF-19AB94A118F8}"/>
+              </a:ext>
+            </a:extLst>
+          </p:cNvPr>
+          <p:cNvPicPr>
+            <a:picLocks noChangeAspect="1"/>
+          </p:cNvPicPr>
+          <p:nvPr/>
+        </p:nvPicPr>
+        <p:blipFill>
+          <a:blip r:embed="rId2"/>
+          <a:stretch>
+            <a:fillRect/>
+          </a:stretch>
+        </p:blipFill>
+        <p:spPr>
+          <a:xfrm>
+            <a:off x="6243579" y="1730242"/>
+            <a:ext cx="5606300" cy="4521870"/>
+          </a:xfrm>
+          <a:prstGeom prst="rect">
+            <a:avLst/>
+          </a:prstGeom>
+        </p:spPr>
+      </p:pic>
+      <p:pic>
+        <p:nvPicPr>
+          <p:cNvPr id="8" name="Picture 7">
+            <a:extLst>
+              <a:ext uri="{FF2B5EF4-FFF2-40B4-BE49-F238E27FC236}">
+                <a16:creationId xmlns:a16="http://schemas.microsoft.com/office/drawing/2014/main" id="{7B57BC2B-3823-D2BA-0602-C0FDEE41F5FD}"/>
+              </a:ext>
+            </a:extLst>
+          </p:cNvPr>
+          <p:cNvPicPr>
+            <a:picLocks noChangeAspect="1"/>
+          </p:cNvPicPr>
+          <p:nvPr/>
+        </p:nvPicPr>
+        <p:blipFill>
+          <a:blip r:embed="rId3"/>
+          <a:stretch>
+            <a:fillRect/>
+          </a:stretch>
+        </p:blipFill>
+        <p:spPr>
+          <a:xfrm>
+            <a:off x="555301" y="1686150"/>
+            <a:ext cx="5540699" cy="4857264"/>
+          </a:xfrm>
+          <a:prstGeom prst="rect">
+            <a:avLst/>
+          </a:prstGeom>
+        </p:spPr>
+      </p:pic>
     </p:spTree>
     <p:extLst>
       <p:ext uri="{BB962C8B-B14F-4D97-AF65-F5344CB8AC3E}">
         <p14:creationId xmlns:p14="http://schemas.microsoft.com/office/powerpoint/2010/main" val="2558162833"/>
+      </p:ext>
+    </p:extLst>
+  </p:cSld>
+  <p:clrMapOvr>
+    <a:masterClrMapping/>
+  </p:clrMapOvr>
+</p:sld>
+</file>
+
+<file path=ppt/slides/slide6.xml><?xml version="1.0" encoding="utf-8"?>
+<p:sld xmlns:a="http://schemas.openxmlformats.org/drawingml/2006/main" xmlns:r="http://schemas.openxmlformats.org/officeDocument/2006/relationships" xmlns:p="http://schemas.openxmlformats.org/presentationml/2006/main">
+  <p:cSld>
+    <p:spTree>
+      <p:nvGrpSpPr>
+        <p:cNvPr id="1" name=""/>
+        <p:cNvGrpSpPr/>
+        <p:nvPr/>
+      </p:nvGrpSpPr>
+      <p:grpSpPr>
+        <a:xfrm>
+          <a:off x="0" y="0"/>
+          <a:ext cx="0" cy="0"/>
+          <a:chOff x="0" y="0"/>
+          <a:chExt cx="0" cy="0"/>
+        </a:xfrm>
+      </p:grpSpPr>
+      <p:sp>
+        <p:nvSpPr>
+          <p:cNvPr id="2" name="Title 1">
+            <a:extLst>
+              <a:ext uri="{FF2B5EF4-FFF2-40B4-BE49-F238E27FC236}">
+                <a16:creationId xmlns:a16="http://schemas.microsoft.com/office/drawing/2014/main" id="{FCD3F52A-6117-3605-918C-6E1DB13CCB23}"/>
+              </a:ext>
+            </a:extLst>
+          </p:cNvPr>
+          <p:cNvSpPr>
+            <a:spLocks noGrp="1"/>
+          </p:cNvSpPr>
+          <p:nvPr>
+            <p:ph type="title"/>
+          </p:nvPr>
+        </p:nvSpPr>
+        <p:spPr>
+          <a:xfrm>
+            <a:off x="453448" y="684179"/>
+            <a:ext cx="10515600" cy="1325563"/>
+          </a:xfrm>
+        </p:spPr>
+        <p:txBody>
+          <a:bodyPr/>
+          <a:lstStyle/>
+          <a:p>
+            <a:r>
+              <a:rPr lang="en-US" dirty="0"/>
+              <a:t>Code</a:t>
+            </a:r>
+          </a:p>
+        </p:txBody>
+      </p:sp>
+      <p:pic>
+        <p:nvPicPr>
+          <p:cNvPr id="4" name="Picture 3">
+            <a:extLst>
+              <a:ext uri="{FF2B5EF4-FFF2-40B4-BE49-F238E27FC236}">
+                <a16:creationId xmlns:a16="http://schemas.microsoft.com/office/drawing/2014/main" id="{59585FA1-C3EE-CD1C-57CE-5562B03849C5}"/>
+              </a:ext>
+            </a:extLst>
+          </p:cNvPr>
+          <p:cNvPicPr>
+            <a:picLocks noChangeAspect="1"/>
+          </p:cNvPicPr>
+          <p:nvPr/>
+        </p:nvPicPr>
+        <p:blipFill>
+          <a:blip r:embed="rId2"/>
+          <a:stretch>
+            <a:fillRect/>
+          </a:stretch>
+        </p:blipFill>
+        <p:spPr>
+          <a:xfrm>
+            <a:off x="355110" y="3110416"/>
+            <a:ext cx="5492670" cy="1357563"/>
+          </a:xfrm>
+          <a:prstGeom prst="rect">
+            <a:avLst/>
+          </a:prstGeom>
+        </p:spPr>
+      </p:pic>
+      <p:pic>
+        <p:nvPicPr>
+          <p:cNvPr id="10" name="Picture 9">
+            <a:extLst>
+              <a:ext uri="{FF2B5EF4-FFF2-40B4-BE49-F238E27FC236}">
+                <a16:creationId xmlns:a16="http://schemas.microsoft.com/office/drawing/2014/main" id="{B34C10B8-99CB-32ED-94FF-D54B2C55E37A}"/>
+              </a:ext>
+            </a:extLst>
+          </p:cNvPr>
+          <p:cNvPicPr>
+            <a:picLocks noChangeAspect="1"/>
+          </p:cNvPicPr>
+          <p:nvPr/>
+        </p:nvPicPr>
+        <p:blipFill>
+          <a:blip r:embed="rId3"/>
+          <a:stretch>
+            <a:fillRect/>
+          </a:stretch>
+        </p:blipFill>
+        <p:spPr>
+          <a:xfrm>
+            <a:off x="6289467" y="1117848"/>
+            <a:ext cx="5296583" cy="5227347"/>
+          </a:xfrm>
+          <a:prstGeom prst="rect">
+            <a:avLst/>
+          </a:prstGeom>
+        </p:spPr>
+      </p:pic>
+    </p:spTree>
+    <p:extLst>
+      <p:ext uri="{BB962C8B-B14F-4D97-AF65-F5344CB8AC3E}">
+        <p14:creationId xmlns:p14="http://schemas.microsoft.com/office/powerpoint/2010/main" val="1487198167"/>
       </p:ext>
     </p:extLst>
   </p:cSld>
